--- a/проект.pptx
+++ b/проект.pptx
@@ -245,7 +245,7 @@
             <a:fld id="{63A1C593-65D0-4073-BCC9-577B9352EA97}" type="datetimeFigureOut">
               <a:rPr lang="en-US" smtClean="0"/>
               <a:pPr/>
-              <a:t>5/16/2025</a:t>
+              <a:t>5/23/2025</a:t>
             </a:fld>
             <a:endParaRPr lang="en-US"/>
           </a:p>
@@ -417,7 +417,7 @@
             <a:fld id="{63A1C593-65D0-4073-BCC9-577B9352EA97}" type="datetimeFigureOut">
               <a:rPr lang="en-US" smtClean="0"/>
               <a:pPr/>
-              <a:t>5/16/2025</a:t>
+              <a:t>5/23/2025</a:t>
             </a:fld>
             <a:endParaRPr lang="en-US"/>
           </a:p>
@@ -599,7 +599,7 @@
             <a:fld id="{63A1C593-65D0-4073-BCC9-577B9352EA97}" type="datetimeFigureOut">
               <a:rPr lang="en-US" smtClean="0"/>
               <a:pPr/>
-              <a:t>5/16/2025</a:t>
+              <a:t>5/23/2025</a:t>
             </a:fld>
             <a:endParaRPr lang="en-US"/>
           </a:p>
@@ -771,7 +771,7 @@
             <a:fld id="{63A1C593-65D0-4073-BCC9-577B9352EA97}" type="datetimeFigureOut">
               <a:rPr lang="en-US" smtClean="0"/>
               <a:pPr/>
-              <a:t>5/16/2025</a:t>
+              <a:t>5/23/2025</a:t>
             </a:fld>
             <a:endParaRPr lang="en-US"/>
           </a:p>
@@ -1019,7 +1019,7 @@
             <a:fld id="{63A1C593-65D0-4073-BCC9-577B9352EA97}" type="datetimeFigureOut">
               <a:rPr lang="en-US" smtClean="0"/>
               <a:pPr/>
-              <a:t>5/16/2025</a:t>
+              <a:t>5/23/2025</a:t>
             </a:fld>
             <a:endParaRPr lang="en-US"/>
           </a:p>
@@ -1253,7 +1253,7 @@
             <a:fld id="{63A1C593-65D0-4073-BCC9-577B9352EA97}" type="datetimeFigureOut">
               <a:rPr lang="en-US" smtClean="0"/>
               <a:pPr/>
-              <a:t>5/16/2025</a:t>
+              <a:t>5/23/2025</a:t>
             </a:fld>
             <a:endParaRPr lang="en-US"/>
           </a:p>
@@ -1622,7 +1622,7 @@
             <a:fld id="{63A1C593-65D0-4073-BCC9-577B9352EA97}" type="datetimeFigureOut">
               <a:rPr lang="en-US" smtClean="0"/>
               <a:pPr/>
-              <a:t>5/16/2025</a:t>
+              <a:t>5/23/2025</a:t>
             </a:fld>
             <a:endParaRPr lang="en-US"/>
           </a:p>
@@ -1742,7 +1742,7 @@
             <a:fld id="{63A1C593-65D0-4073-BCC9-577B9352EA97}" type="datetimeFigureOut">
               <a:rPr lang="en-US" smtClean="0"/>
               <a:pPr/>
-              <a:t>5/16/2025</a:t>
+              <a:t>5/23/2025</a:t>
             </a:fld>
             <a:endParaRPr lang="en-US"/>
           </a:p>
@@ -1839,7 +1839,7 @@
             <a:fld id="{63A1C593-65D0-4073-BCC9-577B9352EA97}" type="datetimeFigureOut">
               <a:rPr lang="en-US" smtClean="0"/>
               <a:pPr/>
-              <a:t>5/16/2025</a:t>
+              <a:t>5/23/2025</a:t>
             </a:fld>
             <a:endParaRPr lang="en-US"/>
           </a:p>
@@ -2118,7 +2118,7 @@
             <a:fld id="{63A1C593-65D0-4073-BCC9-577B9352EA97}" type="datetimeFigureOut">
               <a:rPr lang="en-US" smtClean="0"/>
               <a:pPr/>
-              <a:t>5/16/2025</a:t>
+              <a:t>5/23/2025</a:t>
             </a:fld>
             <a:endParaRPr lang="en-US"/>
           </a:p>
@@ -2373,7 +2373,7 @@
             <a:fld id="{63A1C593-65D0-4073-BCC9-577B9352EA97}" type="datetimeFigureOut">
               <a:rPr lang="en-US" smtClean="0"/>
               <a:pPr/>
-              <a:t>5/16/2025</a:t>
+              <a:t>5/23/2025</a:t>
             </a:fld>
             <a:endParaRPr lang="en-US"/>
           </a:p>
@@ -2588,7 +2588,7 @@
             <a:fld id="{63A1C593-65D0-4073-BCC9-577B9352EA97}" type="datetimeFigureOut">
               <a:rPr lang="en-US" smtClean="0"/>
               <a:pPr/>
-              <a:t>5/16/2025</a:t>
+              <a:t>5/23/2025</a:t>
             </a:fld>
             <a:endParaRPr lang="en-US"/>
           </a:p>
@@ -3018,15 +3018,7 @@
           <a:p>
             <a:r>
               <a:rPr lang="ru-RU" b="1" dirty="0" smtClean="0"/>
-              <a:t>Бот с </a:t>
-            </a:r>
-            <a:r>
-              <a:rPr lang="ru-RU" b="1" dirty="0" smtClean="0"/>
-              <a:t>камерой(без камеры) </a:t>
-            </a:r>
-            <a:r>
-              <a:rPr lang="ru-RU" b="1" dirty="0" smtClean="0"/>
-              <a:t>на радиоуправлении (</a:t>
+              <a:t>Бот с камерой на радиоуправлении (</a:t>
             </a:r>
             <a:r>
               <a:rPr lang="ru-RU" b="1" dirty="0" err="1" smtClean="0"/>
@@ -3077,7 +3069,7 @@
       </p:sp>
       <p:pic>
         <p:nvPicPr>
-          <p:cNvPr id="2050" name="Picture 2" descr="D:\Загрузки\5275968321130459285.jpg"/>
+          <p:cNvPr id="1026" name="Picture 2" descr="D:\Загрузки\5296786259542408110.jpg"/>
           <p:cNvPicPr>
             <a:picLocks noChangeAspect="1" noChangeArrowheads="1"/>
           </p:cNvPicPr>
@@ -3092,8 +3084,8 @@
         </p:blipFill>
         <p:spPr bwMode="auto">
           <a:xfrm>
-            <a:off x="3328270" y="2044461"/>
-            <a:ext cx="5353008" cy="4014757"/>
+            <a:off x="3325963" y="1933753"/>
+            <a:ext cx="5277449" cy="3958087"/>
           </a:xfrm>
           <a:prstGeom prst="rect">
             <a:avLst/>
@@ -3198,11 +3190,7 @@
             </a:br>
             <a:r>
               <a:rPr lang="ru-RU" dirty="0" smtClean="0"/>
-              <a:t>создание бота способного передавать изображение с камеры и ездить на треугольных </a:t>
-            </a:r>
-            <a:r>
-              <a:rPr lang="ru-RU" dirty="0" smtClean="0"/>
-              <a:t>колесах.</a:t>
+              <a:t>создание бота способного передавать изображение с камеры и ездить на треугольных колесах.</a:t>
             </a:r>
           </a:p>
           <a:p>
@@ -3211,18 +3199,14 @@
             </a:pPr>
             <a:r>
               <a:rPr lang="ru-RU" dirty="0" smtClean="0"/>
-              <a:t>Задачи </a:t>
-            </a:r>
-            <a:r>
-              <a:rPr lang="ru-RU" dirty="0" smtClean="0"/>
-              <a:t>проекта:</a:t>
+              <a:t>Задачи проекта:</a:t>
             </a:r>
             <a:br>
               <a:rPr lang="ru-RU" dirty="0" smtClean="0"/>
             </a:br>
             <a:r>
               <a:rPr lang="ru-RU" dirty="0" smtClean="0"/>
-              <a:t>собрать все компоненты на монтажной плате, соединить их с моторами и аккумуляторами, создать корпус и колеса бота, написать код, обеспечивающий работу бота, выполняющего поставленную цель (не выполнено).</a:t>
+              <a:t>собрать все компоненты на монтажной плате, соединить их с моторами и аккумуляторами, создать корпус и колеса бота, написать код, обеспечивающий работу бота, выполняющего поставленную цель.</a:t>
             </a:r>
             <a:endParaRPr lang="ru-RU" dirty="0"/>
           </a:p>
@@ -3288,84 +3272,192 @@
         </p:nvSpPr>
         <p:spPr>
           <a:xfrm>
-            <a:off x="838200" y="1587260"/>
-            <a:ext cx="10515600" cy="4589703"/>
+            <a:off x="838200" y="1337094"/>
+            <a:ext cx="10515600" cy="5313872"/>
           </a:xfrm>
         </p:spPr>
         <p:txBody>
           <a:bodyPr>
-            <a:normAutofit/>
+            <a:normAutofit fontScale="77500" lnSpcReduction="20000"/>
           </a:bodyPr>
           <a:lstStyle/>
           <a:p>
             <a:r>
               <a:rPr lang="ru-RU" dirty="0" smtClean="0"/>
-              <a:t>микроконтроллер </a:t>
-            </a:r>
-            <a:r>
-              <a:rPr lang="ru-RU" dirty="0" smtClean="0"/>
-              <a:t>ESP32 DEV MODULE</a:t>
-            </a:r>
-          </a:p>
-          <a:p>
-            <a:r>
-              <a:rPr lang="ru-RU" dirty="0" smtClean="0"/>
-              <a:t>драйвер для моторов</a:t>
-            </a:r>
-          </a:p>
-          <a:p>
-            <a:r>
-              <a:rPr lang="ru-RU" dirty="0" smtClean="0"/>
-              <a:t>силовой ключ</a:t>
-            </a:r>
-          </a:p>
-          <a:p>
-            <a:r>
-              <a:rPr lang="ru-RU" dirty="0" smtClean="0"/>
-              <a:t>монтажная плата</a:t>
-            </a:r>
-          </a:p>
-          <a:p>
-            <a:r>
-              <a:rPr lang="ru-RU" dirty="0" smtClean="0"/>
-              <a:t>два мотора</a:t>
-            </a:r>
-          </a:p>
-          <a:p>
-            <a:r>
-              <a:rPr lang="ru-RU" dirty="0" smtClean="0"/>
-              <a:t>два держателя для аккумуляторов</a:t>
-            </a:r>
-          </a:p>
-          <a:p>
-            <a:r>
-              <a:rPr lang="ru-RU" dirty="0" smtClean="0"/>
-              <a:t>пять аккумуляторов</a:t>
-            </a:r>
-          </a:p>
-          <a:p>
-            <a:r>
-              <a:rPr lang="ru-RU" dirty="0" smtClean="0"/>
-              <a:t>корпус и колеса, выполненные из </a:t>
-            </a:r>
-            <a:r>
-              <a:rPr lang="ru-RU" dirty="0" smtClean="0"/>
-              <a:t>фанеры</a:t>
-            </a:r>
-          </a:p>
-          <a:p>
-            <a:r>
-              <a:rPr lang="ru-RU" dirty="0" smtClean="0"/>
-              <a:t>(камера </a:t>
+              <a:t> микроконтроллер ESP32 DEV MODULE</a:t>
+            </a:r>
+          </a:p>
+          <a:p>
+            <a:r>
+              <a:rPr lang="ru-RU" dirty="0" smtClean="0"/>
+              <a:t> драйвер для моторов</a:t>
+            </a:r>
+          </a:p>
+          <a:p>
+            <a:r>
+              <a:rPr lang="ru-RU" dirty="0" smtClean="0"/>
+              <a:t> силовой ключ</a:t>
+            </a:r>
+          </a:p>
+          <a:p>
+            <a:r>
+              <a:rPr lang="ru-RU" dirty="0" smtClean="0"/>
+              <a:t> монтажная плата</a:t>
+            </a:r>
+          </a:p>
+          <a:p>
+            <a:r>
+              <a:rPr lang="ru-RU" dirty="0" smtClean="0"/>
+              <a:t> два мотора</a:t>
+            </a:r>
+          </a:p>
+          <a:p>
+            <a:r>
+              <a:rPr lang="ru-RU" dirty="0" smtClean="0"/>
+              <a:t> два держателя для аккумуляторов</a:t>
+            </a:r>
+          </a:p>
+          <a:p>
+            <a:r>
+              <a:rPr lang="ru-RU" dirty="0" smtClean="0"/>
+              <a:t> пять аккумуляторов</a:t>
+            </a:r>
+          </a:p>
+          <a:p>
+            <a:r>
+              <a:rPr lang="ru-RU" dirty="0" smtClean="0"/>
+              <a:t> корпус, выполненный из фанеры</a:t>
+            </a:r>
+          </a:p>
+          <a:p>
+            <a:r>
+              <a:rPr lang="ru-RU" dirty="0" smtClean="0"/>
+              <a:t> треугольные колеса из </a:t>
             </a:r>
             <a:r>
               <a:rPr lang="en-US" dirty="0" smtClean="0"/>
-              <a:t>OV7670)</a:t>
+              <a:t>TPU</a:t>
+            </a:r>
+            <a:endParaRPr lang="ru-RU" dirty="0" smtClean="0"/>
+          </a:p>
+          <a:p>
+            <a:r>
+              <a:rPr lang="ru-RU" dirty="0" smtClean="0"/>
+              <a:t> микроконтроллер ESP32 </a:t>
+            </a:r>
+            <a:r>
+              <a:rPr lang="en-US" dirty="0" smtClean="0"/>
+              <a:t>CAM</a:t>
+            </a:r>
+          </a:p>
+          <a:p>
+            <a:r>
+              <a:rPr lang="ru-RU" dirty="0" smtClean="0"/>
+              <a:t> </a:t>
+            </a:r>
+            <a:r>
+              <a:rPr lang="en-US" dirty="0" smtClean="0"/>
+              <a:t>Power Cell (</a:t>
+            </a:r>
+            <a:r>
+              <a:rPr lang="en-US" dirty="0" err="1" smtClean="0"/>
+              <a:t>Troyka</a:t>
+            </a:r>
+            <a:r>
+              <a:rPr lang="en-US" dirty="0" smtClean="0"/>
+              <a:t> </a:t>
+            </a:r>
+            <a:r>
+              <a:rPr lang="ru-RU" dirty="0" smtClean="0"/>
+              <a:t>модуль</a:t>
+            </a:r>
+            <a:r>
+              <a:rPr lang="en-US" dirty="0" smtClean="0"/>
+              <a:t>)</a:t>
+            </a:r>
+            <a:endParaRPr lang="ru-RU" dirty="0" smtClean="0"/>
+          </a:p>
+          <a:p>
+            <a:r>
+              <a:rPr lang="ru-RU" dirty="0" smtClean="0"/>
+              <a:t> Аккумулятор </a:t>
+            </a:r>
+            <a:r>
+              <a:rPr lang="en-US" dirty="0" smtClean="0"/>
+              <a:t>ET ICR16340C Li-Ion / 3,7 </a:t>
+            </a:r>
+            <a:r>
+              <a:rPr lang="ru-RU" dirty="0" smtClean="0"/>
+              <a:t>В / 700 мА·ч</a:t>
+            </a:r>
+          </a:p>
+          <a:p>
+            <a:r>
+              <a:rPr lang="ru-RU" dirty="0" smtClean="0"/>
+              <a:t> Светодиодная RGB матрица 4×4 (Troyka-модуль)</a:t>
+            </a:r>
+          </a:p>
+          <a:p>
+            <a:r>
+              <a:rPr lang="ru-RU" dirty="0" smtClean="0"/>
+              <a:t> Соединительные провода</a:t>
             </a:r>
             <a:endParaRPr lang="ru-RU" dirty="0"/>
           </a:p>
         </p:txBody>
       </p:sp>
+      <p:pic>
+        <p:nvPicPr>
+          <p:cNvPr id="2050" name="Picture 2" descr="D:\Загрузки\124.jpg"/>
+          <p:cNvPicPr>
+            <a:picLocks noChangeAspect="1" noChangeArrowheads="1"/>
+          </p:cNvPicPr>
+          <p:nvPr/>
+        </p:nvPicPr>
+        <p:blipFill>
+          <a:blip r:embed="rId2" cstate="print"/>
+          <a:srcRect/>
+          <a:stretch>
+            <a:fillRect/>
+          </a:stretch>
+        </p:blipFill>
+        <p:spPr bwMode="auto">
+          <a:xfrm>
+            <a:off x="8022836" y="3302630"/>
+            <a:ext cx="3640998" cy="2727234"/>
+          </a:xfrm>
+          <a:prstGeom prst="rect">
+            <a:avLst/>
+          </a:prstGeom>
+          <a:noFill/>
+        </p:spPr>
+      </p:pic>
+      <p:pic>
+        <p:nvPicPr>
+          <p:cNvPr id="2051" name="Picture 3" descr="D:\Загрузки\123.jpg"/>
+          <p:cNvPicPr>
+            <a:picLocks noChangeAspect="1" noChangeArrowheads="1"/>
+          </p:cNvPicPr>
+          <p:nvPr/>
+        </p:nvPicPr>
+        <p:blipFill>
+          <a:blip r:embed="rId3" cstate="print"/>
+          <a:srcRect/>
+          <a:stretch>
+            <a:fillRect/>
+          </a:stretch>
+        </p:blipFill>
+        <p:spPr bwMode="auto">
+          <a:xfrm>
+            <a:off x="6956485" y="438389"/>
+            <a:ext cx="3395214" cy="2533352"/>
+          </a:xfrm>
+          <a:prstGeom prst="rect">
+            <a:avLst/>
+          </a:prstGeom>
+          <a:noFill/>
+        </p:spPr>
+      </p:pic>
     </p:spTree>
   </p:cSld>
   <p:clrMapOvr>
@@ -3508,8 +3600,8 @@
         </p:nvSpPr>
         <p:spPr>
           <a:xfrm>
-            <a:off x="838200" y="1825625"/>
-            <a:ext cx="5295181" cy="4351338"/>
+            <a:off x="517585" y="1673525"/>
+            <a:ext cx="5615797" cy="4580626"/>
           </a:xfrm>
         </p:spPr>
         <p:txBody>
@@ -3521,11 +3613,7 @@
             </a:pPr>
             <a:r>
               <a:rPr lang="ru-RU" dirty="0" smtClean="0"/>
-              <a:t>	</a:t>
-            </a:r>
-            <a:r>
-              <a:rPr lang="ru-RU" dirty="0" smtClean="0"/>
-              <a:t>Далее был изготовлен корпус проекта из фанеры. Все детали были моделированы в </a:t>
+              <a:t>	Далее был изготовлен корпус проекта из фанеры. Все детали были моделированы в </a:t>
             </a:r>
             <a:r>
               <a:rPr lang="en-US" dirty="0" err="1" smtClean="0"/>
@@ -3533,7 +3621,31 @@
             </a:r>
             <a:r>
               <a:rPr lang="ru-RU" dirty="0" smtClean="0"/>
-              <a:t>, затем вырезаны из фанеры на лазерном станке. Все детали корпуса соединены креплением шип-паз. Два колеса крепятся непосредственно к моторам, другие два к оси.</a:t>
+              <a:t>, затем вырезаны из фанеры на лазерном станке. Все детали корпуса соединены креплением шип-паз</a:t>
+            </a:r>
+            <a:r>
+              <a:rPr lang="ru-RU" dirty="0" smtClean="0"/>
+              <a:t>. Колеса изготовлены на </a:t>
+            </a:r>
+            <a:r>
+              <a:rPr lang="en-US" dirty="0" smtClean="0"/>
+              <a:t>3D-</a:t>
+            </a:r>
+            <a:r>
+              <a:rPr lang="ru-RU" dirty="0" smtClean="0"/>
+              <a:t>принтере из </a:t>
+            </a:r>
+            <a:r>
+              <a:rPr lang="en-US" dirty="0" smtClean="0"/>
+              <a:t>TPU.</a:t>
+            </a:r>
+            <a:r>
+              <a:rPr lang="ru-RU" dirty="0" smtClean="0"/>
+              <a:t> </a:t>
+            </a:r>
+            <a:r>
+              <a:rPr lang="ru-RU" dirty="0" smtClean="0"/>
+              <a:t>Два колеса крепятся непосредственно к моторам, другие два к оси.</a:t>
             </a:r>
           </a:p>
         </p:txBody>
@@ -3599,7 +3711,12 @@
             <p:ph type="title"/>
           </p:nvPr>
         </p:nvSpPr>
-        <p:spPr/>
+        <p:spPr>
+          <a:xfrm>
+            <a:off x="294736" y="114959"/>
+            <a:ext cx="10515600" cy="1325563"/>
+          </a:xfrm>
+        </p:spPr>
         <p:txBody>
           <a:bodyPr/>
           <a:lstStyle/>
@@ -3622,9 +3739,16 @@
             <p:ph idx="1"/>
           </p:nvPr>
         </p:nvSpPr>
-        <p:spPr/>
-        <p:txBody>
-          <a:bodyPr/>
+        <p:spPr>
+          <a:xfrm>
+            <a:off x="60385" y="1345720"/>
+            <a:ext cx="6625086" cy="4839869"/>
+          </a:xfrm>
+        </p:spPr>
+        <p:txBody>
+          <a:bodyPr>
+            <a:normAutofit lnSpcReduction="10000"/>
+          </a:bodyPr>
           <a:lstStyle/>
           <a:p>
             <a:pPr>
@@ -3632,20 +3756,54 @@
             </a:pPr>
             <a:r>
               <a:rPr lang="ru-RU" dirty="0" smtClean="0"/>
-              <a:t>	Теперь оставалось написать код, обеспечивающий корректную работу всех компонентов. Сначала были написаны два отдельных кода, по отдельности обеспечивающих работу камеры и моторов. Следующей задачей было объединение этих кодов. Это сделано не было из-за проблем с реализацией </a:t>
-            </a:r>
-            <a:r>
-              <a:rPr lang="ru-RU" dirty="0" smtClean="0"/>
-              <a:t>совместной работы камеры и </a:t>
-            </a:r>
-            <a:r>
-              <a:rPr lang="ru-RU" dirty="0" smtClean="0"/>
-              <a:t>моторов.</a:t>
+              <a:t>	Теперь оставалось написать код, обеспечивающий корректную работу всех компонентов. Сначала были написаны два отдельных кода, по отдельности обеспечивающих работу камеры и моторов. Следующей задачей было объединение этих кодов. Это сделано не было из-за проблем с реализацией совместной работы камеры и моторов.</a:t>
+            </a:r>
+            <a:r>
+              <a:rPr lang="en-US" dirty="0" smtClean="0"/>
+              <a:t> </a:t>
+            </a:r>
+            <a:r>
+              <a:rPr lang="ru-RU" dirty="0" smtClean="0"/>
+              <a:t>Проблема была решена тем, что удалось купить отдельный микроконтроллер </a:t>
+            </a:r>
+            <a:r>
+              <a:rPr lang="en-US" dirty="0" smtClean="0"/>
+              <a:t>ESP32 CAM</a:t>
+            </a:r>
+            <a:r>
+              <a:rPr lang="ru-RU" dirty="0" smtClean="0"/>
+              <a:t>, обеспечивающий работу камеры.</a:t>
             </a:r>
             <a:endParaRPr lang="ru-RU" dirty="0"/>
           </a:p>
         </p:txBody>
       </p:sp>
+      <p:pic>
+        <p:nvPicPr>
+          <p:cNvPr id="1027" name="Picture 3" descr="D:\Загрузки\5296342636665372212.jpg"/>
+          <p:cNvPicPr>
+            <a:picLocks noChangeAspect="1" noChangeArrowheads="1"/>
+          </p:cNvPicPr>
+          <p:nvPr/>
+        </p:nvPicPr>
+        <p:blipFill>
+          <a:blip r:embed="rId2" cstate="print"/>
+          <a:srcRect/>
+          <a:stretch>
+            <a:fillRect/>
+          </a:stretch>
+        </p:blipFill>
+        <p:spPr bwMode="auto">
+          <a:xfrm>
+            <a:off x="6520881" y="1385677"/>
+            <a:ext cx="5456128" cy="4092096"/>
+          </a:xfrm>
+          <a:prstGeom prst="rect">
+            <a:avLst/>
+          </a:prstGeom>
+          <a:noFill/>
+        </p:spPr>
+      </p:pic>
     </p:spTree>
   </p:cSld>
   <p:clrMapOvr>
@@ -3722,7 +3880,7 @@
             </a:r>
             <a:r>
               <a:rPr lang="ru-RU" dirty="0" smtClean="0"/>
-              <a:t>, способный ездить на треугольных колесах, но не способный передавать изображение с камеры устройству, с которого осуществляется управление</a:t>
+              <a:t>, способный ездить на треугольных колесах и способный передавать изображение с камеры устройству, с которого осуществляется управление</a:t>
             </a:r>
             <a:endParaRPr lang="ru-RU" dirty="0"/>
           </a:p>
